--- a/asp/unit-1/demo.pptx
+++ b/asp/unit-1/demo.pptx
@@ -245,7 +245,7 @@
           <a:p>
             <a:fld id="{2418B073-DBA7-4B5C-8A0A-F57DFBA507F6}" type="datetimeFigureOut">
               <a:rPr lang="en-US" smtClean="0"/>
-              <a:t>12/13/2021</a:t>
+              <a:t>12/30/2021</a:t>
             </a:fld>
             <a:endParaRPr lang="en-US"/>
           </a:p>
@@ -415,7 +415,7 @@
           <a:p>
             <a:fld id="{2418B073-DBA7-4B5C-8A0A-F57DFBA507F6}" type="datetimeFigureOut">
               <a:rPr lang="en-US" smtClean="0"/>
-              <a:t>12/13/2021</a:t>
+              <a:t>12/30/2021</a:t>
             </a:fld>
             <a:endParaRPr lang="en-US"/>
           </a:p>
@@ -595,7 +595,7 @@
           <a:p>
             <a:fld id="{2418B073-DBA7-4B5C-8A0A-F57DFBA507F6}" type="datetimeFigureOut">
               <a:rPr lang="en-US" smtClean="0"/>
-              <a:t>12/13/2021</a:t>
+              <a:t>12/30/2021</a:t>
             </a:fld>
             <a:endParaRPr lang="en-US"/>
           </a:p>
@@ -765,7 +765,7 @@
           <a:p>
             <a:fld id="{2418B073-DBA7-4B5C-8A0A-F57DFBA507F6}" type="datetimeFigureOut">
               <a:rPr lang="en-US" smtClean="0"/>
-              <a:t>12/13/2021</a:t>
+              <a:t>12/30/2021</a:t>
             </a:fld>
             <a:endParaRPr lang="en-US"/>
           </a:p>
@@ -1011,7 +1011,7 @@
           <a:p>
             <a:fld id="{2418B073-DBA7-4B5C-8A0A-F57DFBA507F6}" type="datetimeFigureOut">
               <a:rPr lang="en-US" smtClean="0"/>
-              <a:t>12/13/2021</a:t>
+              <a:t>12/30/2021</a:t>
             </a:fld>
             <a:endParaRPr lang="en-US"/>
           </a:p>
@@ -1243,7 +1243,7 @@
           <a:p>
             <a:fld id="{2418B073-DBA7-4B5C-8A0A-F57DFBA507F6}" type="datetimeFigureOut">
               <a:rPr lang="en-US" smtClean="0"/>
-              <a:t>12/13/2021</a:t>
+              <a:t>12/30/2021</a:t>
             </a:fld>
             <a:endParaRPr lang="en-US"/>
           </a:p>
@@ -1610,7 +1610,7 @@
           <a:p>
             <a:fld id="{2418B073-DBA7-4B5C-8A0A-F57DFBA507F6}" type="datetimeFigureOut">
               <a:rPr lang="en-US" smtClean="0"/>
-              <a:t>12/13/2021</a:t>
+              <a:t>12/30/2021</a:t>
             </a:fld>
             <a:endParaRPr lang="en-US"/>
           </a:p>
@@ -1728,7 +1728,7 @@
           <a:p>
             <a:fld id="{2418B073-DBA7-4B5C-8A0A-F57DFBA507F6}" type="datetimeFigureOut">
               <a:rPr lang="en-US" smtClean="0"/>
-              <a:t>12/13/2021</a:t>
+              <a:t>12/30/2021</a:t>
             </a:fld>
             <a:endParaRPr lang="en-US"/>
           </a:p>
@@ -1823,7 +1823,7 @@
           <a:p>
             <a:fld id="{2418B073-DBA7-4B5C-8A0A-F57DFBA507F6}" type="datetimeFigureOut">
               <a:rPr lang="en-US" smtClean="0"/>
-              <a:t>12/13/2021</a:t>
+              <a:t>12/30/2021</a:t>
             </a:fld>
             <a:endParaRPr lang="en-US"/>
           </a:p>
@@ -2100,7 +2100,7 @@
           <a:p>
             <a:fld id="{2418B073-DBA7-4B5C-8A0A-F57DFBA507F6}" type="datetimeFigureOut">
               <a:rPr lang="en-US" smtClean="0"/>
-              <a:t>12/13/2021</a:t>
+              <a:t>12/30/2021</a:t>
             </a:fld>
             <a:endParaRPr lang="en-US"/>
           </a:p>
@@ -2353,7 +2353,7 @@
           <a:p>
             <a:fld id="{2418B073-DBA7-4B5C-8A0A-F57DFBA507F6}" type="datetimeFigureOut">
               <a:rPr lang="en-US" smtClean="0"/>
-              <a:t>12/13/2021</a:t>
+              <a:t>12/30/2021</a:t>
             </a:fld>
             <a:endParaRPr lang="en-US"/>
           </a:p>
@@ -2566,7 +2566,7 @@
           <a:p>
             <a:fld id="{2418B073-DBA7-4B5C-8A0A-F57DFBA507F6}" type="datetimeFigureOut">
               <a:rPr lang="en-US" smtClean="0"/>
-              <a:t>12/13/2021</a:t>
+              <a:t>12/30/2021</a:t>
             </a:fld>
             <a:endParaRPr lang="en-US"/>
           </a:p>
@@ -3172,15 +3172,11 @@
               <a:rPr lang="en-US" dirty="0" smtClean="0">
                 <a:solidFill>
                   <a:schemeClr val="accent4">
-                    <a:lumMod val="50000"/>
+                    <a:lumMod val="75000"/>
                   </a:schemeClr>
                 </a:solidFill>
               </a:rPr>
-              <a:t>Details</a:t>
-            </a:r>
-            <a:r>
-              <a:rPr lang="en-US" dirty="0" smtClean="0"/>
-              <a:t> </a:t>
+              <a:t>Details </a:t>
             </a:r>
           </a:p>
         </p:txBody>
